--- a/Aario-PPT/20160913 IT - 技术选型.pptx
+++ b/Aario-PPT/20160913 IT - 技术选型.pptx
@@ -246,7 +246,7 @@
           <a:p>
             <a:fld id="{770E8F05-4E34-418D-99D8-0BF53F34B200}" type="datetimeFigureOut">
               <a:rPr lang="en-US" smtClean="0"/>
-              <a:t>9/13/2016</a:t>
+              <a:t>9/15/2016</a:t>
             </a:fld>
             <a:endParaRPr lang="en-US"/>
           </a:p>
@@ -414,7 +414,7 @@
           <a:p>
             <a:fld id="{770E8F05-4E34-418D-99D8-0BF53F34B200}" type="datetimeFigureOut">
               <a:rPr lang="en-US" smtClean="0"/>
-              <a:t>9/13/2016</a:t>
+              <a:t>9/15/2016</a:t>
             </a:fld>
             <a:endParaRPr lang="en-US"/>
           </a:p>
@@ -592,7 +592,7 @@
           <a:p>
             <a:fld id="{770E8F05-4E34-418D-99D8-0BF53F34B200}" type="datetimeFigureOut">
               <a:rPr lang="en-US" smtClean="0"/>
-              <a:t>9/13/2016</a:t>
+              <a:t>9/15/2016</a:t>
             </a:fld>
             <a:endParaRPr lang="en-US"/>
           </a:p>
@@ -760,7 +760,7 @@
           <a:p>
             <a:fld id="{770E8F05-4E34-418D-99D8-0BF53F34B200}" type="datetimeFigureOut">
               <a:rPr lang="en-US" smtClean="0"/>
-              <a:t>9/13/2016</a:t>
+              <a:t>9/15/2016</a:t>
             </a:fld>
             <a:endParaRPr lang="en-US"/>
           </a:p>
@@ -1005,7 +1005,7 @@
           <a:p>
             <a:fld id="{770E8F05-4E34-418D-99D8-0BF53F34B200}" type="datetimeFigureOut">
               <a:rPr lang="en-US" smtClean="0"/>
-              <a:t>9/13/2016</a:t>
+              <a:t>9/15/2016</a:t>
             </a:fld>
             <a:endParaRPr lang="en-US"/>
           </a:p>
@@ -1234,7 +1234,7 @@
           <a:p>
             <a:fld id="{770E8F05-4E34-418D-99D8-0BF53F34B200}" type="datetimeFigureOut">
               <a:rPr lang="en-US" smtClean="0"/>
-              <a:t>9/13/2016</a:t>
+              <a:t>9/15/2016</a:t>
             </a:fld>
             <a:endParaRPr lang="en-US"/>
           </a:p>
@@ -1598,7 +1598,7 @@
           <a:p>
             <a:fld id="{770E8F05-4E34-418D-99D8-0BF53F34B200}" type="datetimeFigureOut">
               <a:rPr lang="en-US" smtClean="0"/>
-              <a:t>9/13/2016</a:t>
+              <a:t>9/15/2016</a:t>
             </a:fld>
             <a:endParaRPr lang="en-US"/>
           </a:p>
@@ -1715,7 +1715,7 @@
           <a:p>
             <a:fld id="{770E8F05-4E34-418D-99D8-0BF53F34B200}" type="datetimeFigureOut">
               <a:rPr lang="en-US" smtClean="0"/>
-              <a:t>9/13/2016</a:t>
+              <a:t>9/15/2016</a:t>
             </a:fld>
             <a:endParaRPr lang="en-US"/>
           </a:p>
@@ -1810,7 +1810,7 @@
           <a:p>
             <a:fld id="{770E8F05-4E34-418D-99D8-0BF53F34B200}" type="datetimeFigureOut">
               <a:rPr lang="en-US" smtClean="0"/>
-              <a:t>9/13/2016</a:t>
+              <a:t>9/15/2016</a:t>
             </a:fld>
             <a:endParaRPr lang="en-US"/>
           </a:p>
@@ -2085,7 +2085,7 @@
           <a:p>
             <a:fld id="{770E8F05-4E34-418D-99D8-0BF53F34B200}" type="datetimeFigureOut">
               <a:rPr lang="en-US" smtClean="0"/>
-              <a:t>9/13/2016</a:t>
+              <a:t>9/15/2016</a:t>
             </a:fld>
             <a:endParaRPr lang="en-US"/>
           </a:p>
@@ -2337,7 +2337,7 @@
           <a:p>
             <a:fld id="{770E8F05-4E34-418D-99D8-0BF53F34B200}" type="datetimeFigureOut">
               <a:rPr lang="en-US" smtClean="0"/>
-              <a:t>9/13/2016</a:t>
+              <a:t>9/15/2016</a:t>
             </a:fld>
             <a:endParaRPr lang="en-US"/>
           </a:p>
@@ -2548,7 +2548,7 @@
           <a:p>
             <a:fld id="{770E8F05-4E34-418D-99D8-0BF53F34B200}" type="datetimeFigureOut">
               <a:rPr lang="en-US" smtClean="0"/>
-              <a:t>9/13/2016</a:t>
+              <a:t>9/15/2016</a:t>
             </a:fld>
             <a:endParaRPr lang="en-US"/>
           </a:p>
@@ -3536,7 +3536,7 @@
         </p:blipFill>
         <p:spPr>
           <a:xfrm>
-            <a:off x="6004768" y="5367267"/>
+            <a:off x="5839685" y="5349545"/>
             <a:ext cx="753757" cy="753757"/>
           </a:xfrm>
           <a:prstGeom prst="rect">
@@ -4424,6 +4424,166 @@
               </a14:hiddenFill>
             </a:ext>
           </a:extLst>
+        </p:spPr>
+      </p:pic>
+      <p:sp>
+        <p:nvSpPr>
+          <p:cNvPr id="2" name="Flowchart: Predefined Process 1"/>
+          <p:cNvSpPr/>
+          <p:nvPr/>
+        </p:nvSpPr>
+        <p:spPr>
+          <a:xfrm>
+            <a:off x="9603688" y="5169269"/>
+            <a:ext cx="1037808" cy="715496"/>
+          </a:xfrm>
+          <a:prstGeom prst="flowChartPredefinedProcess">
+            <a:avLst/>
+          </a:prstGeom>
+        </p:spPr>
+        <p:style>
+          <a:lnRef idx="2">
+            <a:schemeClr val="accent1">
+              <a:shade val="50000"/>
+            </a:schemeClr>
+          </a:lnRef>
+          <a:fillRef idx="1">
+            <a:schemeClr val="accent1"/>
+          </a:fillRef>
+          <a:effectRef idx="0">
+            <a:schemeClr val="accent1"/>
+          </a:effectRef>
+          <a:fontRef idx="minor">
+            <a:schemeClr val="lt1"/>
+          </a:fontRef>
+        </p:style>
+        <p:txBody>
+          <a:bodyPr rtlCol="0" anchor="ctr"/>
+          <a:lstStyle/>
+          <a:p>
+            <a:pPr algn="ctr"/>
+            <a:r>
+              <a:rPr lang="zh-CN" altLang="en-US" dirty="0">
+                <a:latin typeface="Bookman Old Style" panose="02050604050505020204" pitchFamily="18" charset="0"/>
+              </a:rPr>
+              <a:t>监控</a:t>
+            </a:r>
+            <a:endParaRPr lang="en-US" dirty="0">
+              <a:latin typeface="Bookman Old Style" panose="02050604050505020204" pitchFamily="18" charset="0"/>
+            </a:endParaRPr>
+          </a:p>
+        </p:txBody>
+      </p:sp>
+      <p:pic>
+        <p:nvPicPr>
+          <p:cNvPr id="3" name="Picture 2" descr="Image result for nagios logo"/>
+          <p:cNvPicPr>
+            <a:picLocks noChangeAspect="1" noChangeArrowheads="1"/>
+          </p:cNvPicPr>
+          <p:nvPr/>
+        </p:nvPicPr>
+        <p:blipFill>
+          <a:blip r:embed="rId13">
+            <a:extLst>
+              <a:ext uri="{28A0092B-C50C-407E-A947-70E740481C1C}">
+                <a14:useLocalDpi xmlns:a14="http://schemas.microsoft.com/office/drawing/2010/main" val="0"/>
+              </a:ext>
+            </a:extLst>
+          </a:blip>
+          <a:srcRect/>
+          <a:stretch>
+            <a:fillRect/>
+          </a:stretch>
+        </p:blipFill>
+        <p:spPr bwMode="auto">
+          <a:xfrm>
+            <a:off x="10791553" y="5210986"/>
+            <a:ext cx="760750" cy="319942"/>
+          </a:xfrm>
+          <a:prstGeom prst="rect">
+            <a:avLst/>
+          </a:prstGeom>
+          <a:noFill/>
+          <a:extLst>
+            <a:ext uri="{909E8E84-426E-40DD-AFC4-6F175D3DCCD1}">
+              <a14:hiddenFill xmlns:a14="http://schemas.microsoft.com/office/drawing/2010/main">
+                <a:solidFill>
+                  <a:srgbClr val="FFFFFF"/>
+                </a:solidFill>
+              </a14:hiddenFill>
+            </a:ext>
+          </a:extLst>
+        </p:spPr>
+      </p:pic>
+      <p:pic>
+        <p:nvPicPr>
+          <p:cNvPr id="1028" name="Picture 4" descr="http://graphiteapp.org/img/graphite-logo_color.png"/>
+          <p:cNvPicPr>
+            <a:picLocks noChangeAspect="1" noChangeArrowheads="1"/>
+          </p:cNvPicPr>
+          <p:nvPr/>
+        </p:nvPicPr>
+        <p:blipFill>
+          <a:blip r:embed="rId14">
+            <a:extLst>
+              <a:ext uri="{28A0092B-C50C-407E-A947-70E740481C1C}">
+                <a14:useLocalDpi xmlns:a14="http://schemas.microsoft.com/office/drawing/2010/main" val="0"/>
+              </a:ext>
+            </a:extLst>
+          </a:blip>
+          <a:srcRect/>
+          <a:stretch>
+            <a:fillRect/>
+          </a:stretch>
+        </p:blipFill>
+        <p:spPr bwMode="auto">
+          <a:xfrm>
+            <a:off x="10771115" y="5547785"/>
+            <a:ext cx="801625" cy="209484"/>
+          </a:xfrm>
+          <a:prstGeom prst="rect">
+            <a:avLst/>
+          </a:prstGeom>
+          <a:noFill/>
+          <a:extLst>
+            <a:ext uri="{909E8E84-426E-40DD-AFC4-6F175D3DCCD1}">
+              <a14:hiddenFill xmlns:a14="http://schemas.microsoft.com/office/drawing/2010/main">
+                <a:solidFill>
+                  <a:srgbClr val="FFFFFF"/>
+                </a:solidFill>
+              </a14:hiddenFill>
+            </a:ext>
+          </a:extLst>
+        </p:spPr>
+      </p:pic>
+      <p:pic>
+        <p:nvPicPr>
+          <p:cNvPr id="41" name="Picture 40"/>
+          <p:cNvPicPr>
+            <a:picLocks noChangeAspect="1"/>
+          </p:cNvPicPr>
+          <p:nvPr/>
+        </p:nvPicPr>
+        <p:blipFill>
+          <a:blip r:embed="rId4">
+            <a:extLst>
+              <a:ext uri="{28A0092B-C50C-407E-A947-70E740481C1C}">
+                <a14:useLocalDpi xmlns:a14="http://schemas.microsoft.com/office/drawing/2010/main" val="0"/>
+              </a:ext>
+            </a:extLst>
+          </a:blip>
+          <a:stretch>
+            <a:fillRect/>
+          </a:stretch>
+        </p:blipFill>
+        <p:spPr>
+          <a:xfrm>
+            <a:off x="6616846" y="5451082"/>
+            <a:ext cx="932082" cy="608442"/>
+          </a:xfrm>
+          <a:prstGeom prst="rect">
+            <a:avLst/>
+          </a:prstGeom>
         </p:spPr>
       </p:pic>
     </p:spTree>

--- a/Aario-PPT/20160913 IT - 技术选型.pptx
+++ b/Aario-PPT/20160913 IT - 技术选型.pptx
@@ -10,7 +10,8 @@
     <p:sldId id="260" r:id="rId4"/>
     <p:sldId id="259" r:id="rId5"/>
     <p:sldId id="261" r:id="rId6"/>
-    <p:sldId id="258" r:id="rId7"/>
+    <p:sldId id="262" r:id="rId7"/>
+    <p:sldId id="258" r:id="rId8"/>
   </p:sldIdLst>
   <p:sldSz cx="12192000" cy="6858000"/>
   <p:notesSz cx="6858000" cy="9144000"/>
@@ -246,7 +247,7 @@
           <a:p>
             <a:fld id="{770E8F05-4E34-418D-99D8-0BF53F34B200}" type="datetimeFigureOut">
               <a:rPr lang="en-US" smtClean="0"/>
-              <a:t>9/15/2016</a:t>
+              <a:t>12/11/2016</a:t>
             </a:fld>
             <a:endParaRPr lang="en-US"/>
           </a:p>
@@ -414,7 +415,7 @@
           <a:p>
             <a:fld id="{770E8F05-4E34-418D-99D8-0BF53F34B200}" type="datetimeFigureOut">
               <a:rPr lang="en-US" smtClean="0"/>
-              <a:t>9/15/2016</a:t>
+              <a:t>12/11/2016</a:t>
             </a:fld>
             <a:endParaRPr lang="en-US"/>
           </a:p>
@@ -592,7 +593,7 @@
           <a:p>
             <a:fld id="{770E8F05-4E34-418D-99D8-0BF53F34B200}" type="datetimeFigureOut">
               <a:rPr lang="en-US" smtClean="0"/>
-              <a:t>9/15/2016</a:t>
+              <a:t>12/11/2016</a:t>
             </a:fld>
             <a:endParaRPr lang="en-US"/>
           </a:p>
@@ -760,7 +761,7 @@
           <a:p>
             <a:fld id="{770E8F05-4E34-418D-99D8-0BF53F34B200}" type="datetimeFigureOut">
               <a:rPr lang="en-US" smtClean="0"/>
-              <a:t>9/15/2016</a:t>
+              <a:t>12/11/2016</a:t>
             </a:fld>
             <a:endParaRPr lang="en-US"/>
           </a:p>
@@ -1005,7 +1006,7 @@
           <a:p>
             <a:fld id="{770E8F05-4E34-418D-99D8-0BF53F34B200}" type="datetimeFigureOut">
               <a:rPr lang="en-US" smtClean="0"/>
-              <a:t>9/15/2016</a:t>
+              <a:t>12/11/2016</a:t>
             </a:fld>
             <a:endParaRPr lang="en-US"/>
           </a:p>
@@ -1234,7 +1235,7 @@
           <a:p>
             <a:fld id="{770E8F05-4E34-418D-99D8-0BF53F34B200}" type="datetimeFigureOut">
               <a:rPr lang="en-US" smtClean="0"/>
-              <a:t>9/15/2016</a:t>
+              <a:t>12/11/2016</a:t>
             </a:fld>
             <a:endParaRPr lang="en-US"/>
           </a:p>
@@ -1598,7 +1599,7 @@
           <a:p>
             <a:fld id="{770E8F05-4E34-418D-99D8-0BF53F34B200}" type="datetimeFigureOut">
               <a:rPr lang="en-US" smtClean="0"/>
-              <a:t>9/15/2016</a:t>
+              <a:t>12/11/2016</a:t>
             </a:fld>
             <a:endParaRPr lang="en-US"/>
           </a:p>
@@ -1715,7 +1716,7 @@
           <a:p>
             <a:fld id="{770E8F05-4E34-418D-99D8-0BF53F34B200}" type="datetimeFigureOut">
               <a:rPr lang="en-US" smtClean="0"/>
-              <a:t>9/15/2016</a:t>
+              <a:t>12/11/2016</a:t>
             </a:fld>
             <a:endParaRPr lang="en-US"/>
           </a:p>
@@ -1810,7 +1811,7 @@
           <a:p>
             <a:fld id="{770E8F05-4E34-418D-99D8-0BF53F34B200}" type="datetimeFigureOut">
               <a:rPr lang="en-US" smtClean="0"/>
-              <a:t>9/15/2016</a:t>
+              <a:t>12/11/2016</a:t>
             </a:fld>
             <a:endParaRPr lang="en-US"/>
           </a:p>
@@ -2085,7 +2086,7 @@
           <a:p>
             <a:fld id="{770E8F05-4E34-418D-99D8-0BF53F34B200}" type="datetimeFigureOut">
               <a:rPr lang="en-US" smtClean="0"/>
-              <a:t>9/15/2016</a:t>
+              <a:t>12/11/2016</a:t>
             </a:fld>
             <a:endParaRPr lang="en-US"/>
           </a:p>
@@ -2337,7 +2338,7 @@
           <a:p>
             <a:fld id="{770E8F05-4E34-418D-99D8-0BF53F34B200}" type="datetimeFigureOut">
               <a:rPr lang="en-US" smtClean="0"/>
-              <a:t>9/15/2016</a:t>
+              <a:t>12/11/2016</a:t>
             </a:fld>
             <a:endParaRPr lang="en-US"/>
           </a:p>
@@ -2548,7 +2549,7 @@
           <a:p>
             <a:fld id="{770E8F05-4E34-418D-99D8-0BF53F34B200}" type="datetimeFigureOut">
               <a:rPr lang="en-US" smtClean="0"/>
-              <a:t>9/15/2016</a:t>
+              <a:t>12/11/2016</a:t>
             </a:fld>
             <a:endParaRPr lang="en-US"/>
           </a:p>
@@ -5571,6 +5572,110 @@
             <p:ph type="title"/>
           </p:nvPr>
         </p:nvSpPr>
+        <p:spPr/>
+        <p:txBody>
+          <a:bodyPr/>
+          <a:lstStyle/>
+          <a:p>
+            <a:r>
+              <a:rPr lang="zh-CN" altLang="en-US" dirty="0"/>
+              <a:t>日志存储</a:t>
+            </a:r>
+            <a:endParaRPr lang="en-US" dirty="0"/>
+          </a:p>
+        </p:txBody>
+      </p:sp>
+      <p:sp>
+        <p:nvSpPr>
+          <p:cNvPr id="3" name="Content Placeholder 2"/>
+          <p:cNvSpPr>
+            <a:spLocks noGrp="1"/>
+          </p:cNvSpPr>
+          <p:nvPr>
+            <p:ph idx="1"/>
+          </p:nvPr>
+        </p:nvSpPr>
+        <p:spPr/>
+        <p:txBody>
+          <a:bodyPr/>
+          <a:lstStyle/>
+          <a:p>
+            <a:r>
+              <a:rPr lang="en-US" altLang="zh-CN" dirty="0"/>
+              <a:t>ELK </a:t>
+            </a:r>
+            <a:r>
+              <a:rPr lang="zh-CN" altLang="en-US" dirty="0"/>
+              <a:t>： </a:t>
+            </a:r>
+            <a:r>
+              <a:rPr lang="en-US" dirty="0" err="1"/>
+              <a:t>Elasticsearch</a:t>
+            </a:r>
+            <a:r>
+              <a:rPr lang="en-US" dirty="0"/>
+              <a:t> </a:t>
+            </a:r>
+            <a:r>
+              <a:rPr lang="en-US" altLang="zh-CN" dirty="0" err="1"/>
+              <a:t>L</a:t>
+            </a:r>
+            <a:r>
+              <a:rPr lang="en-US" dirty="0" err="1"/>
+              <a:t>ogstash</a:t>
+            </a:r>
+            <a:r>
+              <a:rPr lang="en-US" dirty="0"/>
+              <a:t> </a:t>
+            </a:r>
+            <a:r>
+              <a:rPr lang="en-US"/>
+              <a:t>Kibana</a:t>
+            </a:r>
+            <a:endParaRPr lang="en-US" dirty="0"/>
+          </a:p>
+        </p:txBody>
+      </p:sp>
+    </p:spTree>
+    <p:extLst>
+      <p:ext uri="{BB962C8B-B14F-4D97-AF65-F5344CB8AC3E}">
+        <p14:creationId xmlns:p14="http://schemas.microsoft.com/office/powerpoint/2010/main" val="1856907311"/>
+      </p:ext>
+    </p:extLst>
+  </p:cSld>
+  <p:clrMapOvr>
+    <a:masterClrMapping/>
+  </p:clrMapOvr>
+</p:sld>
+</file>
+
+<file path=ppt/slides/slide7.xml><?xml version="1.0" encoding="utf-8"?>
+<p:sld xmlns:a="http://schemas.openxmlformats.org/drawingml/2006/main" xmlns:r="http://schemas.openxmlformats.org/officeDocument/2006/relationships" xmlns:p="http://schemas.openxmlformats.org/presentationml/2006/main">
+  <p:cSld>
+    <p:spTree>
+      <p:nvGrpSpPr>
+        <p:cNvPr id="1" name=""/>
+        <p:cNvGrpSpPr/>
+        <p:nvPr/>
+      </p:nvGrpSpPr>
+      <p:grpSpPr>
+        <a:xfrm>
+          <a:off x="0" y="0"/>
+          <a:ext cx="0" cy="0"/>
+          <a:chOff x="0" y="0"/>
+          <a:chExt cx="0" cy="0"/>
+        </a:xfrm>
+      </p:grpSpPr>
+      <p:sp>
+        <p:nvSpPr>
+          <p:cNvPr id="2" name="Title 1"/>
+          <p:cNvSpPr>
+            <a:spLocks noGrp="1"/>
+          </p:cNvSpPr>
+          <p:nvPr>
+            <p:ph type="title"/>
+          </p:nvPr>
+        </p:nvSpPr>
         <p:spPr>
           <a:xfrm>
             <a:off x="953609" y="3037303"/>
